--- a/Roadmap Projet Vision Collaborative.pptx
+++ b/Roadmap Projet Vision Collaborative.pptx
@@ -229,7 +229,7 @@
             <a:pPr rtl="0"/>
             <a:fld id="{E189B77C-AFB4-43F2-8372-0A8902D43A81}" type="datetime1">
               <a:rPr lang="fr-FR" smtClean="0"/>
-              <a:t>15/02/2022</a:t>
+              <a:t>14/03/2022</a:t>
             </a:fld>
             <a:endParaRPr lang="fr-FR" dirty="0"/>
           </a:p>
@@ -410,7 +410,7 @@
             <a:fld id="{2ACA6D2D-9DBF-486E-89F8-371E584D2B43}" type="datetime1">
               <a:rPr lang="fr-FR" smtClean="0"/>
               <a:pPr/>
-              <a:t>15/02/2022</a:t>
+              <a:t>14/03/2022</a:t>
             </a:fld>
             <a:endParaRPr lang="fr-FR" dirty="0"/>
           </a:p>
@@ -2121,7 +2121,7 @@
         </p:nvGrpSpPr>
         <p:grpSpPr>
           <a:xfrm>
-            <a:off x="598900" y="1767249"/>
+            <a:off x="253228" y="1833068"/>
             <a:ext cx="1927217" cy="1287966"/>
             <a:chOff x="446364" y="3962124"/>
             <a:chExt cx="1927217" cy="1287966"/>
@@ -2453,7 +2453,7 @@
         </p:nvGrpSpPr>
         <p:grpSpPr>
           <a:xfrm>
-            <a:off x="2932870" y="1758924"/>
+            <a:off x="2308813" y="1828299"/>
             <a:ext cx="1921940" cy="1635765"/>
             <a:chOff x="3047824" y="3575569"/>
             <a:chExt cx="1921940" cy="1635765"/>
@@ -2474,9 +2474,9 @@
           <p:grpSpPr>
             <a:xfrm>
               <a:off x="3665457" y="3665310"/>
-              <a:ext cx="1304307" cy="1318888"/>
+              <a:ext cx="1304307" cy="1165000"/>
               <a:chOff x="2101030" y="2178919"/>
-              <a:chExt cx="1304307" cy="1318888"/>
+              <a:chExt cx="1304307" cy="1165000"/>
             </a:xfrm>
           </p:grpSpPr>
           <p:sp>
@@ -2537,7 +2537,7 @@
             <p:spPr>
               <a:xfrm>
                 <a:off x="2101030" y="2728366"/>
-                <a:ext cx="1294782" cy="769441"/>
+                <a:ext cx="1294782" cy="615553"/>
               </a:xfrm>
               <a:prstGeom prst="rect">
                 <a:avLst/>
@@ -2560,7 +2560,7 @@
                       </a:schemeClr>
                     </a:solidFill>
                   </a:rPr>
-                  <a:t>Travail sur un algorithme d’IA (Machine Learning dans la vision collaborative</a:t>
+                  <a:t>Recherche sur le type d’algorithme d’IA le plus adapté au projet	 </a:t>
                 </a:r>
               </a:p>
             </p:txBody>
@@ -3309,54 +3309,6 @@
           </p:style>
         </p:cxnSp>
       </p:grpSp>
-      <p:cxnSp>
-        <p:nvCxnSpPr>
-          <p:cNvPr id="155" name="Connecteur droit 154" title="lignes de légende">
-            <a:extLst>
-              <a:ext uri="{FF2B5EF4-FFF2-40B4-BE49-F238E27FC236}">
-                <a16:creationId xmlns:a16="http://schemas.microsoft.com/office/drawing/2014/main" id="{975C6F4D-FEC6-41F0-80BD-1FBB84859CE0}"/>
-              </a:ext>
-            </a:extLst>
-          </p:cNvPr>
-          <p:cNvCxnSpPr>
-            <a:cxnSpLocks/>
-          </p:cNvCxnSpPr>
-          <p:nvPr/>
-        </p:nvCxnSpPr>
-        <p:spPr>
-          <a:xfrm>
-            <a:off x="6358748" y="4027988"/>
-            <a:ext cx="0" cy="1920020"/>
-          </a:xfrm>
-          <a:prstGeom prst="line">
-            <a:avLst/>
-          </a:prstGeom>
-          <a:ln cmpd="sng">
-            <a:solidFill>
-              <a:schemeClr val="bg1">
-                <a:lumMod val="85000"/>
-              </a:schemeClr>
-            </a:solidFill>
-            <a:prstDash val="sysDash"/>
-            <a:headEnd type="none" w="sm" len="sm"/>
-            <a:tailEnd type="none" w="sm" len="sm"/>
-          </a:ln>
-        </p:spPr>
-        <p:style>
-          <a:lnRef idx="1">
-            <a:schemeClr val="accent1"/>
-          </a:lnRef>
-          <a:fillRef idx="0">
-            <a:schemeClr val="accent1"/>
-          </a:fillRef>
-          <a:effectRef idx="0">
-            <a:schemeClr val="accent1"/>
-          </a:effectRef>
-          <a:fontRef idx="minor">
-            <a:schemeClr val="tx1"/>
-          </a:fontRef>
-        </p:style>
-      </p:cxnSp>
       <p:grpSp>
         <p:nvGrpSpPr>
           <p:cNvPr id="13" name="Groupe 12" title="Jalon">
@@ -3371,7 +3323,7 @@
         </p:nvGrpSpPr>
         <p:grpSpPr>
           <a:xfrm>
-            <a:off x="5175081" y="1830171"/>
+            <a:off x="7761933" y="1862785"/>
             <a:ext cx="1921866" cy="1436250"/>
             <a:chOff x="5653543" y="3048963"/>
             <a:chExt cx="1921866" cy="1436250"/>
@@ -3549,60 +3501,12 @@
                     </a:schemeClr>
                   </a:solidFill>
                 </a:rPr>
-                <a:t>03</a:t>
+                <a:t>05</a:t>
               </a:r>
             </a:p>
           </p:txBody>
         </p:sp>
       </p:grpSp>
-      <p:cxnSp>
-        <p:nvCxnSpPr>
-          <p:cNvPr id="52" name="Connecteur droit 51" title="lignes de légende">
-            <a:extLst>
-              <a:ext uri="{FF2B5EF4-FFF2-40B4-BE49-F238E27FC236}">
-                <a16:creationId xmlns:a16="http://schemas.microsoft.com/office/drawing/2014/main" id="{F54047B2-9C08-4A8C-A924-AA676C29FB41}"/>
-              </a:ext>
-            </a:extLst>
-          </p:cNvPr>
-          <p:cNvCxnSpPr>
-            <a:cxnSpLocks/>
-          </p:cNvCxnSpPr>
-          <p:nvPr/>
-        </p:nvCxnSpPr>
-        <p:spPr>
-          <a:xfrm>
-            <a:off x="7653312" y="3471346"/>
-            <a:ext cx="0" cy="2476662"/>
-          </a:xfrm>
-          <a:prstGeom prst="line">
-            <a:avLst/>
-          </a:prstGeom>
-          <a:ln cmpd="sng">
-            <a:solidFill>
-              <a:schemeClr val="bg1">
-                <a:lumMod val="85000"/>
-              </a:schemeClr>
-            </a:solidFill>
-            <a:prstDash val="sysDash"/>
-            <a:headEnd type="none" w="sm" len="sm"/>
-            <a:tailEnd type="none" w="sm" len="sm"/>
-          </a:ln>
-        </p:spPr>
-        <p:style>
-          <a:lnRef idx="1">
-            <a:schemeClr val="accent1"/>
-          </a:lnRef>
-          <a:fillRef idx="0">
-            <a:schemeClr val="accent1"/>
-          </a:fillRef>
-          <a:effectRef idx="0">
-            <a:schemeClr val="accent1"/>
-          </a:effectRef>
-          <a:fontRef idx="minor">
-            <a:schemeClr val="tx1"/>
-          </a:fontRef>
-        </p:style>
-      </p:cxnSp>
       <p:grpSp>
         <p:nvGrpSpPr>
           <p:cNvPr id="25" name="Groupe 24" descr="Année 4">
@@ -3617,10 +3521,10 @@
         </p:nvGrpSpPr>
         <p:grpSpPr>
           <a:xfrm>
-            <a:off x="8822434" y="5778006"/>
-            <a:ext cx="2067281" cy="762652"/>
-            <a:chOff x="8822434" y="5778006"/>
-            <a:chExt cx="2067281" cy="762652"/>
+            <a:off x="8365988" y="5801400"/>
+            <a:ext cx="2588948" cy="753422"/>
+            <a:chOff x="8300767" y="5778006"/>
+            <a:chExt cx="2588948" cy="753422"/>
           </a:xfrm>
         </p:grpSpPr>
         <p:sp>
@@ -3898,8 +3802,8 @@
           </p:nvSpPr>
           <p:spPr>
             <a:xfrm>
-              <a:off x="8958866" y="6354010"/>
-              <a:ext cx="1490151" cy="186648"/>
+              <a:off x="8300767" y="6345489"/>
+              <a:ext cx="1042721" cy="185939"/>
             </a:xfrm>
             <a:prstGeom prst="roundRect">
               <a:avLst>
@@ -3907,7 +3811,10 @@
               </a:avLst>
             </a:prstGeom>
             <a:solidFill>
-              <a:schemeClr val="accent5"/>
+              <a:schemeClr val="accent2">
+                <a:lumMod val="20000"/>
+                <a:lumOff val="80000"/>
+              </a:schemeClr>
             </a:solidFill>
             <a:ln>
               <a:noFill/>
@@ -4170,102 +4077,6 @@
           </p:style>
         </p:cxnSp>
       </p:grpSp>
-      <p:cxnSp>
-        <p:nvCxnSpPr>
-          <p:cNvPr id="177" name="Connecteur droit 176" title="lignes de légende">
-            <a:extLst>
-              <a:ext uri="{FF2B5EF4-FFF2-40B4-BE49-F238E27FC236}">
-                <a16:creationId xmlns:a16="http://schemas.microsoft.com/office/drawing/2014/main" id="{748624D8-A75F-4E91-B76D-0419E48EB017}"/>
-              </a:ext>
-            </a:extLst>
-          </p:cNvPr>
-          <p:cNvCxnSpPr>
-            <a:cxnSpLocks/>
-          </p:cNvCxnSpPr>
-          <p:nvPr/>
-        </p:nvCxnSpPr>
-        <p:spPr>
-          <a:xfrm>
-            <a:off x="8947876" y="2011680"/>
-            <a:ext cx="0" cy="3936328"/>
-          </a:xfrm>
-          <a:prstGeom prst="line">
-            <a:avLst/>
-          </a:prstGeom>
-          <a:ln cmpd="sng">
-            <a:solidFill>
-              <a:schemeClr val="bg1">
-                <a:lumMod val="85000"/>
-              </a:schemeClr>
-            </a:solidFill>
-            <a:prstDash val="sysDash"/>
-            <a:headEnd type="none" w="sm" len="sm"/>
-            <a:tailEnd type="none" w="sm" len="sm"/>
-          </a:ln>
-        </p:spPr>
-        <p:style>
-          <a:lnRef idx="1">
-            <a:schemeClr val="accent1"/>
-          </a:lnRef>
-          <a:fillRef idx="0">
-            <a:schemeClr val="accent1"/>
-          </a:fillRef>
-          <a:effectRef idx="0">
-            <a:schemeClr val="accent1"/>
-          </a:effectRef>
-          <a:fontRef idx="minor">
-            <a:schemeClr val="tx1"/>
-          </a:fontRef>
-        </p:style>
-      </p:cxnSp>
-      <p:cxnSp>
-        <p:nvCxnSpPr>
-          <p:cNvPr id="56" name="Connecteur droit 55" title="lignes de légende">
-            <a:extLst>
-              <a:ext uri="{FF2B5EF4-FFF2-40B4-BE49-F238E27FC236}">
-                <a16:creationId xmlns:a16="http://schemas.microsoft.com/office/drawing/2014/main" id="{D8CC268F-92F4-41DE-866F-F6BF296668DE}"/>
-              </a:ext>
-            </a:extLst>
-          </p:cNvPr>
-          <p:cNvCxnSpPr>
-            <a:cxnSpLocks/>
-          </p:cNvCxnSpPr>
-          <p:nvPr/>
-        </p:nvCxnSpPr>
-        <p:spPr>
-          <a:xfrm>
-            <a:off x="10242440" y="3108996"/>
-            <a:ext cx="0" cy="2839012"/>
-          </a:xfrm>
-          <a:prstGeom prst="line">
-            <a:avLst/>
-          </a:prstGeom>
-          <a:ln cmpd="sng">
-            <a:solidFill>
-              <a:schemeClr val="bg1">
-                <a:lumMod val="85000"/>
-              </a:schemeClr>
-            </a:solidFill>
-            <a:prstDash val="sysDash"/>
-            <a:headEnd type="none" w="sm" len="sm"/>
-            <a:tailEnd type="none" w="sm" len="sm"/>
-          </a:ln>
-        </p:spPr>
-        <p:style>
-          <a:lnRef idx="1">
-            <a:schemeClr val="accent1"/>
-          </a:lnRef>
-          <a:fillRef idx="0">
-            <a:schemeClr val="accent1"/>
-          </a:fillRef>
-          <a:effectRef idx="0">
-            <a:schemeClr val="accent1"/>
-          </a:effectRef>
-          <a:fontRef idx="minor">
-            <a:schemeClr val="tx1"/>
-          </a:fontRef>
-        </p:style>
-      </p:cxnSp>
       <p:grpSp>
         <p:nvGrpSpPr>
           <p:cNvPr id="19" name="Groupe 18" title="Jalon">
@@ -4280,7 +4091,7 @@
         </p:nvGrpSpPr>
         <p:grpSpPr>
           <a:xfrm>
-            <a:off x="7478633" y="1865791"/>
+            <a:off x="9475478" y="1898932"/>
             <a:ext cx="1928238" cy="1045792"/>
             <a:chOff x="9514671" y="2137867"/>
             <a:chExt cx="1928238" cy="1045792"/>
@@ -4458,7 +4269,7 @@
                     </a:schemeClr>
                   </a:solidFill>
                 </a:rPr>
-                <a:t>04</a:t>
+                <a:t>06</a:t>
               </a:r>
             </a:p>
           </p:txBody>
@@ -4597,60 +4408,6 @@
           </a:p>
         </p:txBody>
       </p:sp>
-      <p:sp>
-        <p:nvSpPr>
-          <p:cNvPr id="141" name="Zone de texte 60">
-            <a:extLst>
-              <a:ext uri="{FF2B5EF4-FFF2-40B4-BE49-F238E27FC236}">
-                <a16:creationId xmlns:a16="http://schemas.microsoft.com/office/drawing/2014/main" id="{0F96BA29-BAD8-42CB-BA2E-000CDBFC3AAB}"/>
-              </a:ext>
-            </a:extLst>
-          </p:cNvPr>
-          <p:cNvSpPr txBox="1"/>
-          <p:nvPr/>
-        </p:nvSpPr>
-        <p:spPr>
-          <a:xfrm>
-            <a:off x="5748741" y="2600107"/>
-            <a:ext cx="1294782" cy="461665"/>
-          </a:xfrm>
-          <a:prstGeom prst="rect">
-            <a:avLst/>
-          </a:prstGeom>
-          <a:noFill/>
-        </p:spPr>
-        <p:txBody>
-          <a:bodyPr wrap="square" lIns="0" tIns="0" rIns="0" bIns="0" rtlCol="0">
-            <a:spAutoFit/>
-          </a:bodyPr>
-          <a:lstStyle/>
-          <a:p>
-            <a:pPr rtl="0"/>
-            <a:r>
-              <a:rPr lang="fr-FR" sz="1000" dirty="0">
-                <a:solidFill>
-                  <a:schemeClr val="tx1">
-                    <a:lumMod val="75000"/>
-                    <a:lumOff val="25000"/>
-                  </a:schemeClr>
-                </a:solidFill>
-              </a:rPr>
-              <a:t>Rédiger nos recherche + Organisation</a:t>
-            </a:r>
-          </a:p>
-          <a:p>
-            <a:pPr rtl="0"/>
-            <a:endParaRPr lang="fr-FR" sz="1000" dirty="0">
-              <a:solidFill>
-                <a:schemeClr val="tx1">
-                  <a:lumMod val="75000"/>
-                  <a:lumOff val="25000"/>
-                </a:schemeClr>
-              </a:solidFill>
-            </a:endParaRPr>
-          </a:p>
-        </p:txBody>
-      </p:sp>
       <p:grpSp>
         <p:nvGrpSpPr>
           <p:cNvPr id="147" name="Groupe 146" descr="Année 3&#10;">
@@ -5273,8 +5030,8 @@
         </p:nvSpPr>
         <p:spPr>
           <a:xfrm>
-            <a:off x="4415112" y="6379086"/>
-            <a:ext cx="3981116" cy="175738"/>
+            <a:off x="4406412" y="6371347"/>
+            <a:ext cx="2072458" cy="183475"/>
           </a:xfrm>
           <a:prstGeom prst="roundRect">
             <a:avLst>
@@ -5840,6 +5597,673 @@
               <a:rPr lang="fr-FR" dirty="0"/>
               <a:t>: Vacances </a:t>
             </a:r>
+          </a:p>
+        </p:txBody>
+      </p:sp>
+      <p:grpSp>
+        <p:nvGrpSpPr>
+          <p:cNvPr id="104" name="Groupe 103" title="Jalon">
+            <a:extLst>
+              <a:ext uri="{FF2B5EF4-FFF2-40B4-BE49-F238E27FC236}">
+                <a16:creationId xmlns:a16="http://schemas.microsoft.com/office/drawing/2014/main" id="{0F7B4372-7329-F74E-8C2C-BDDA13D68816}"/>
+              </a:ext>
+            </a:extLst>
+          </p:cNvPr>
+          <p:cNvGrpSpPr/>
+          <p:nvPr/>
+        </p:nvGrpSpPr>
+        <p:grpSpPr>
+          <a:xfrm>
+            <a:off x="4206738" y="1772664"/>
+            <a:ext cx="1921940" cy="1691400"/>
+            <a:chOff x="3047824" y="3575569"/>
+            <a:chExt cx="1921940" cy="1635765"/>
+          </a:xfrm>
+        </p:grpSpPr>
+        <p:grpSp>
+          <p:nvGrpSpPr>
+            <p:cNvPr id="112" name="Groupe 111" title="Texte de jalon">
+              <a:extLst>
+                <a:ext uri="{FF2B5EF4-FFF2-40B4-BE49-F238E27FC236}">
+                  <a16:creationId xmlns:a16="http://schemas.microsoft.com/office/drawing/2014/main" id="{BE9192DD-CD77-E44B-AF16-150D7C5C5607}"/>
+                </a:ext>
+              </a:extLst>
+            </p:cNvPr>
+            <p:cNvGrpSpPr/>
+            <p:nvPr/>
+          </p:nvGrpSpPr>
+          <p:grpSpPr>
+            <a:xfrm>
+              <a:off x="3665457" y="3665310"/>
+              <a:ext cx="1304307" cy="857224"/>
+              <a:chOff x="2101030" y="2178919"/>
+              <a:chExt cx="1304307" cy="857224"/>
+            </a:xfrm>
+          </p:grpSpPr>
+          <p:sp>
+            <p:nvSpPr>
+              <p:cNvPr id="127" name="Zone de texte 120">
+                <a:extLst>
+                  <a:ext uri="{FF2B5EF4-FFF2-40B4-BE49-F238E27FC236}">
+                    <a16:creationId xmlns:a16="http://schemas.microsoft.com/office/drawing/2014/main" id="{29EB9821-8C7C-2D45-BB1A-B31865084CB7}"/>
+                  </a:ext>
+                </a:extLst>
+              </p:cNvPr>
+              <p:cNvSpPr txBox="1"/>
+              <p:nvPr/>
+            </p:nvSpPr>
+            <p:spPr>
+              <a:xfrm>
+                <a:off x="2110555" y="2178919"/>
+                <a:ext cx="1294782" cy="553998"/>
+              </a:xfrm>
+              <a:prstGeom prst="rect">
+                <a:avLst/>
+              </a:prstGeom>
+              <a:noFill/>
+            </p:spPr>
+            <p:txBody>
+              <a:bodyPr wrap="square" lIns="0" tIns="0" rIns="0" bIns="0" rtlCol="0">
+                <a:spAutoFit/>
+              </a:bodyPr>
+              <a:lstStyle/>
+              <a:p>
+                <a:pPr rtl="0"/>
+                <a:r>
+                  <a:rPr lang="fr-FR" dirty="0">
+                    <a:solidFill>
+                      <a:schemeClr val="tx1">
+                        <a:lumMod val="75000"/>
+                        <a:lumOff val="25000"/>
+                      </a:schemeClr>
+                    </a:solidFill>
+                  </a:rPr>
+                  <a:t>IA Algorithme</a:t>
+                </a:r>
+              </a:p>
+            </p:txBody>
+          </p:sp>
+          <p:sp>
+            <p:nvSpPr>
+              <p:cNvPr id="128" name="Zone de texte 121">
+                <a:extLst>
+                  <a:ext uri="{FF2B5EF4-FFF2-40B4-BE49-F238E27FC236}">
+                    <a16:creationId xmlns:a16="http://schemas.microsoft.com/office/drawing/2014/main" id="{23C268B4-BF87-284D-8CBD-AE2F263D9B3E}"/>
+                  </a:ext>
+                </a:extLst>
+              </p:cNvPr>
+              <p:cNvSpPr txBox="1"/>
+              <p:nvPr/>
+            </p:nvSpPr>
+            <p:spPr>
+              <a:xfrm>
+                <a:off x="2101030" y="2728366"/>
+                <a:ext cx="1294782" cy="307777"/>
+              </a:xfrm>
+              <a:prstGeom prst="rect">
+                <a:avLst/>
+              </a:prstGeom>
+              <a:noFill/>
+            </p:spPr>
+            <p:txBody>
+              <a:bodyPr wrap="square" lIns="0" tIns="0" rIns="0" bIns="0" rtlCol="0">
+                <a:spAutoFit/>
+              </a:bodyPr>
+              <a:lstStyle/>
+              <a:p>
+                <a:pPr rtl="0"/>
+                <a:r>
+                  <a:rPr lang="fr-FR" sz="1000" dirty="0">
+                    <a:solidFill>
+                      <a:schemeClr val="tx1">
+                        <a:lumMod val="75000"/>
+                        <a:lumOff val="25000"/>
+                      </a:schemeClr>
+                    </a:solidFill>
+                  </a:rPr>
+                  <a:t>Développement de l’algorithme </a:t>
+                </a:r>
+              </a:p>
+            </p:txBody>
+          </p:sp>
+        </p:grpSp>
+        <p:sp>
+          <p:nvSpPr>
+            <p:cNvPr id="115" name="Rectangle : Coins arrondis 138" title="Graphisme de jalon">
+              <a:extLst>
+                <a:ext uri="{FF2B5EF4-FFF2-40B4-BE49-F238E27FC236}">
+                  <a16:creationId xmlns:a16="http://schemas.microsoft.com/office/drawing/2014/main" id="{CA19A271-1130-4D4F-9E4B-BB2D32140AC0}"/>
+                </a:ext>
+              </a:extLst>
+            </p:cNvPr>
+            <p:cNvSpPr/>
+            <p:nvPr/>
+          </p:nvSpPr>
+          <p:spPr>
+            <a:xfrm>
+              <a:off x="3610546" y="5060213"/>
+              <a:ext cx="873222" cy="151121"/>
+            </a:xfrm>
+            <a:prstGeom prst="roundRect">
+              <a:avLst>
+                <a:gd name="adj" fmla="val 50000"/>
+              </a:avLst>
+            </a:prstGeom>
+            <a:solidFill>
+              <a:schemeClr val="accent5">
+                <a:lumMod val="60000"/>
+                <a:lumOff val="40000"/>
+              </a:schemeClr>
+            </a:solidFill>
+            <a:ln>
+              <a:noFill/>
+            </a:ln>
+          </p:spPr>
+          <p:style>
+            <a:lnRef idx="2">
+              <a:schemeClr val="accent1">
+                <a:shade val="50000"/>
+              </a:schemeClr>
+            </a:lnRef>
+            <a:fillRef idx="1">
+              <a:schemeClr val="accent1"/>
+            </a:fillRef>
+            <a:effectRef idx="0">
+              <a:schemeClr val="accent1"/>
+            </a:effectRef>
+            <a:fontRef idx="minor">
+              <a:schemeClr val="lt1"/>
+            </a:fontRef>
+          </p:style>
+          <p:txBody>
+            <a:bodyPr rtlCol="0" anchor="ctr"/>
+            <a:lstStyle/>
+            <a:p>
+              <a:pPr algn="ctr" rtl="0"/>
+              <a:endParaRPr lang="fr-FR" dirty="0">
+                <a:solidFill>
+                  <a:schemeClr val="accent6">
+                    <a:lumMod val="60000"/>
+                    <a:lumOff val="40000"/>
+                  </a:schemeClr>
+                </a:solidFill>
+              </a:endParaRPr>
+            </a:p>
+          </p:txBody>
+        </p:sp>
+        <p:pic>
+          <p:nvPicPr>
+            <p:cNvPr id="123" name="Graphisme 145" title="Indicateur de jalon">
+              <a:extLst>
+                <a:ext uri="{FF2B5EF4-FFF2-40B4-BE49-F238E27FC236}">
+                  <a16:creationId xmlns:a16="http://schemas.microsoft.com/office/drawing/2014/main" id="{7012C610-382C-A640-B279-3DC4D9BD9BD9}"/>
+                </a:ext>
+              </a:extLst>
+            </p:cNvPr>
+            <p:cNvPicPr>
+              <a:picLocks noChangeAspect="1"/>
+            </p:cNvPicPr>
+            <p:nvPr/>
+          </p:nvPicPr>
+          <p:blipFill rotWithShape="1">
+            <a:blip r:embed="rId5">
+              <a:extLst>
+                <a:ext uri="{28A0092B-C50C-407E-A947-70E740481C1C}">
+                  <a14:useLocalDpi xmlns:a14="http://schemas.microsoft.com/office/drawing/2010/main" val="0"/>
+                </a:ext>
+                <a:ext uri="{96DAC541-7B7A-43D3-8B79-37D633B846F1}">
+                  <asvg:svgBlip xmlns:asvg="http://schemas.microsoft.com/office/drawing/2016/SVG/main" r:embed="rId6"/>
+                </a:ext>
+              </a:extLst>
+            </a:blip>
+            <a:srcRect l="33525" t="18748" r="17129" b="44918"/>
+            <a:stretch/>
+          </p:blipFill>
+          <p:spPr>
+            <a:xfrm flipH="1">
+              <a:off x="3047824" y="3575569"/>
+              <a:ext cx="573660" cy="422383"/>
+            </a:xfrm>
+            <a:prstGeom prst="rect">
+              <a:avLst/>
+            </a:prstGeom>
+          </p:spPr>
+        </p:pic>
+        <p:sp>
+          <p:nvSpPr>
+            <p:cNvPr id="126" name="Rectangle 125">
+              <a:extLst>
+                <a:ext uri="{FF2B5EF4-FFF2-40B4-BE49-F238E27FC236}">
+                  <a16:creationId xmlns:a16="http://schemas.microsoft.com/office/drawing/2014/main" id="{59AF6F06-68C1-F644-8871-33273CA75CAE}"/>
+                </a:ext>
+              </a:extLst>
+            </p:cNvPr>
+            <p:cNvSpPr/>
+            <p:nvPr/>
+          </p:nvSpPr>
+          <p:spPr>
+            <a:xfrm>
+              <a:off x="3286043" y="3667905"/>
+              <a:ext cx="344966" cy="267888"/>
+            </a:xfrm>
+            <a:prstGeom prst="rect">
+              <a:avLst/>
+            </a:prstGeom>
+          </p:spPr>
+          <p:txBody>
+            <a:bodyPr wrap="none" rtlCol="0">
+              <a:spAutoFit/>
+            </a:bodyPr>
+            <a:lstStyle/>
+            <a:p>
+              <a:pPr algn="ctr" rtl="0"/>
+              <a:r>
+                <a:rPr lang="fr-FR" sz="1200" dirty="0">
+                  <a:solidFill>
+                    <a:schemeClr val="tx1">
+                      <a:lumMod val="75000"/>
+                      <a:lumOff val="25000"/>
+                    </a:schemeClr>
+                  </a:solidFill>
+                </a:rPr>
+                <a:t>03</a:t>
+              </a:r>
+            </a:p>
+          </p:txBody>
+        </p:sp>
+      </p:grpSp>
+      <p:grpSp>
+        <p:nvGrpSpPr>
+          <p:cNvPr id="129" name="Groupe 128" title="Jalon">
+            <a:extLst>
+              <a:ext uri="{FF2B5EF4-FFF2-40B4-BE49-F238E27FC236}">
+                <a16:creationId xmlns:a16="http://schemas.microsoft.com/office/drawing/2014/main" id="{F091EF14-506E-3C47-A05B-B26AA5266894}"/>
+              </a:ext>
+            </a:extLst>
+          </p:cNvPr>
+          <p:cNvGrpSpPr/>
+          <p:nvPr/>
+        </p:nvGrpSpPr>
+        <p:grpSpPr>
+          <a:xfrm>
+            <a:off x="6008215" y="1800196"/>
+            <a:ext cx="1921940" cy="1635765"/>
+            <a:chOff x="3047824" y="3575569"/>
+            <a:chExt cx="1921940" cy="1635765"/>
+          </a:xfrm>
+        </p:grpSpPr>
+        <p:grpSp>
+          <p:nvGrpSpPr>
+            <p:cNvPr id="130" name="Groupe 129" title="Texte de jalon">
+              <a:extLst>
+                <a:ext uri="{FF2B5EF4-FFF2-40B4-BE49-F238E27FC236}">
+                  <a16:creationId xmlns:a16="http://schemas.microsoft.com/office/drawing/2014/main" id="{1FD69717-8554-3348-B695-9592FF49FFBD}"/>
+                </a:ext>
+              </a:extLst>
+            </p:cNvPr>
+            <p:cNvGrpSpPr/>
+            <p:nvPr/>
+          </p:nvGrpSpPr>
+          <p:grpSpPr>
+            <a:xfrm>
+              <a:off x="3665457" y="3665310"/>
+              <a:ext cx="1304307" cy="1011112"/>
+              <a:chOff x="2101030" y="2178919"/>
+              <a:chExt cx="1304307" cy="1011112"/>
+            </a:xfrm>
+          </p:grpSpPr>
+          <p:sp>
+            <p:nvSpPr>
+              <p:cNvPr id="137" name="Zone de texte 120">
+                <a:extLst>
+                  <a:ext uri="{FF2B5EF4-FFF2-40B4-BE49-F238E27FC236}">
+                    <a16:creationId xmlns:a16="http://schemas.microsoft.com/office/drawing/2014/main" id="{D99FB906-CC59-064F-8D35-E61EA9A81B5D}"/>
+                  </a:ext>
+                </a:extLst>
+              </p:cNvPr>
+              <p:cNvSpPr txBox="1"/>
+              <p:nvPr/>
+            </p:nvSpPr>
+            <p:spPr>
+              <a:xfrm>
+                <a:off x="2110555" y="2178919"/>
+                <a:ext cx="1294782" cy="553998"/>
+              </a:xfrm>
+              <a:prstGeom prst="rect">
+                <a:avLst/>
+              </a:prstGeom>
+              <a:noFill/>
+            </p:spPr>
+            <p:txBody>
+              <a:bodyPr wrap="square" lIns="0" tIns="0" rIns="0" bIns="0" rtlCol="0">
+                <a:spAutoFit/>
+              </a:bodyPr>
+              <a:lstStyle/>
+              <a:p>
+                <a:pPr rtl="0"/>
+                <a:r>
+                  <a:rPr lang="fr-FR" dirty="0">
+                    <a:solidFill>
+                      <a:schemeClr val="tx1">
+                        <a:lumMod val="75000"/>
+                        <a:lumOff val="25000"/>
+                      </a:schemeClr>
+                    </a:solidFill>
+                  </a:rPr>
+                  <a:t>IA Algorithme</a:t>
+                </a:r>
+              </a:p>
+            </p:txBody>
+          </p:sp>
+          <p:sp>
+            <p:nvSpPr>
+              <p:cNvPr id="138" name="Zone de texte 121">
+                <a:extLst>
+                  <a:ext uri="{FF2B5EF4-FFF2-40B4-BE49-F238E27FC236}">
+                    <a16:creationId xmlns:a16="http://schemas.microsoft.com/office/drawing/2014/main" id="{C598CC9E-8E9A-8442-80E1-7CFDEC61DDB8}"/>
+                  </a:ext>
+                </a:extLst>
+              </p:cNvPr>
+              <p:cNvSpPr txBox="1"/>
+              <p:nvPr/>
+            </p:nvSpPr>
+            <p:spPr>
+              <a:xfrm>
+                <a:off x="2101030" y="2728366"/>
+                <a:ext cx="1294782" cy="461665"/>
+              </a:xfrm>
+              <a:prstGeom prst="rect">
+                <a:avLst/>
+              </a:prstGeom>
+              <a:noFill/>
+            </p:spPr>
+            <p:txBody>
+              <a:bodyPr wrap="square" lIns="0" tIns="0" rIns="0" bIns="0" rtlCol="0">
+                <a:spAutoFit/>
+              </a:bodyPr>
+              <a:lstStyle/>
+              <a:p>
+                <a:pPr rtl="0"/>
+                <a:r>
+                  <a:rPr lang="fr-FR" sz="1000" dirty="0">
+                    <a:solidFill>
+                      <a:schemeClr val="tx1">
+                        <a:lumMod val="75000"/>
+                        <a:lumOff val="25000"/>
+                      </a:schemeClr>
+                    </a:solidFill>
+                  </a:rPr>
+                  <a:t>Entrainement de l’algorithme sur le </a:t>
+                </a:r>
+                <a:r>
+                  <a:rPr lang="fr-FR" sz="1000" dirty="0" err="1">
+                    <a:solidFill>
+                      <a:schemeClr val="tx1">
+                        <a:lumMod val="75000"/>
+                        <a:lumOff val="25000"/>
+                      </a:schemeClr>
+                    </a:solidFill>
+                  </a:rPr>
+                  <a:t>dataset</a:t>
+                </a:r>
+                <a:endParaRPr lang="fr-FR" sz="1000" dirty="0">
+                  <a:solidFill>
+                    <a:schemeClr val="tx1">
+                      <a:lumMod val="75000"/>
+                      <a:lumOff val="25000"/>
+                    </a:schemeClr>
+                  </a:solidFill>
+                </a:endParaRPr>
+              </a:p>
+            </p:txBody>
+          </p:sp>
+        </p:grpSp>
+        <p:sp>
+          <p:nvSpPr>
+            <p:cNvPr id="131" name="Rectangle : Coins arrondis 138" title="Graphisme de jalon">
+              <a:extLst>
+                <a:ext uri="{FF2B5EF4-FFF2-40B4-BE49-F238E27FC236}">
+                  <a16:creationId xmlns:a16="http://schemas.microsoft.com/office/drawing/2014/main" id="{72419412-48A8-2645-9228-23E30D6FC3BF}"/>
+                </a:ext>
+              </a:extLst>
+            </p:cNvPr>
+            <p:cNvSpPr/>
+            <p:nvPr/>
+          </p:nvSpPr>
+          <p:spPr>
+            <a:xfrm>
+              <a:off x="3610546" y="5060213"/>
+              <a:ext cx="873222" cy="151121"/>
+            </a:xfrm>
+            <a:prstGeom prst="roundRect">
+              <a:avLst>
+                <a:gd name="adj" fmla="val 50000"/>
+              </a:avLst>
+            </a:prstGeom>
+            <a:solidFill>
+              <a:schemeClr val="accent4">
+                <a:lumMod val="20000"/>
+                <a:lumOff val="80000"/>
+              </a:schemeClr>
+            </a:solidFill>
+            <a:ln>
+              <a:noFill/>
+            </a:ln>
+          </p:spPr>
+          <p:style>
+            <a:lnRef idx="2">
+              <a:schemeClr val="accent1">
+                <a:shade val="50000"/>
+              </a:schemeClr>
+            </a:lnRef>
+            <a:fillRef idx="1">
+              <a:schemeClr val="accent1"/>
+            </a:fillRef>
+            <a:effectRef idx="0">
+              <a:schemeClr val="accent1"/>
+            </a:effectRef>
+            <a:fontRef idx="minor">
+              <a:schemeClr val="lt1"/>
+            </a:fontRef>
+          </p:style>
+          <p:txBody>
+            <a:bodyPr rtlCol="0" anchor="ctr"/>
+            <a:lstStyle/>
+            <a:p>
+              <a:pPr algn="ctr" rtl="0"/>
+              <a:endParaRPr lang="fr-FR" dirty="0"/>
+            </a:p>
+          </p:txBody>
+        </p:sp>
+        <p:pic>
+          <p:nvPicPr>
+            <p:cNvPr id="132" name="Graphisme 145" title="Indicateur de jalon">
+              <a:extLst>
+                <a:ext uri="{FF2B5EF4-FFF2-40B4-BE49-F238E27FC236}">
+                  <a16:creationId xmlns:a16="http://schemas.microsoft.com/office/drawing/2014/main" id="{078D900B-BAC6-9443-8340-4FE425DCD4A4}"/>
+                </a:ext>
+              </a:extLst>
+            </p:cNvPr>
+            <p:cNvPicPr>
+              <a:picLocks noChangeAspect="1"/>
+            </p:cNvPicPr>
+            <p:nvPr/>
+          </p:nvPicPr>
+          <p:blipFill rotWithShape="1">
+            <a:blip r:embed="rId5">
+              <a:extLst>
+                <a:ext uri="{28A0092B-C50C-407E-A947-70E740481C1C}">
+                  <a14:useLocalDpi xmlns:a14="http://schemas.microsoft.com/office/drawing/2010/main" val="0"/>
+                </a:ext>
+                <a:ext uri="{96DAC541-7B7A-43D3-8B79-37D633B846F1}">
+                  <asvg:svgBlip xmlns:asvg="http://schemas.microsoft.com/office/drawing/2016/SVG/main" r:embed="rId6"/>
+                </a:ext>
+              </a:extLst>
+            </a:blip>
+            <a:srcRect l="33525" t="18748" r="17129" b="44918"/>
+            <a:stretch/>
+          </p:blipFill>
+          <p:spPr>
+            <a:xfrm flipH="1">
+              <a:off x="3047824" y="3575569"/>
+              <a:ext cx="573660" cy="422383"/>
+            </a:xfrm>
+            <a:prstGeom prst="rect">
+              <a:avLst/>
+            </a:prstGeom>
+          </p:spPr>
+        </p:pic>
+        <p:sp>
+          <p:nvSpPr>
+            <p:cNvPr id="135" name="Rectangle 134">
+              <a:extLst>
+                <a:ext uri="{FF2B5EF4-FFF2-40B4-BE49-F238E27FC236}">
+                  <a16:creationId xmlns:a16="http://schemas.microsoft.com/office/drawing/2014/main" id="{03C78543-DF79-6E41-B7BB-14DC75ECF65D}"/>
+                </a:ext>
+              </a:extLst>
+            </p:cNvPr>
+            <p:cNvSpPr/>
+            <p:nvPr/>
+          </p:nvSpPr>
+          <p:spPr>
+            <a:xfrm>
+              <a:off x="3286043" y="3667905"/>
+              <a:ext cx="344966" cy="276999"/>
+            </a:xfrm>
+            <a:prstGeom prst="rect">
+              <a:avLst/>
+            </a:prstGeom>
+          </p:spPr>
+          <p:txBody>
+            <a:bodyPr wrap="none" rtlCol="0">
+              <a:spAutoFit/>
+            </a:bodyPr>
+            <a:lstStyle/>
+            <a:p>
+              <a:pPr algn="ctr" rtl="0"/>
+              <a:r>
+                <a:rPr lang="fr-FR" sz="1200" dirty="0">
+                  <a:solidFill>
+                    <a:schemeClr val="tx1">
+                      <a:lumMod val="75000"/>
+                      <a:lumOff val="25000"/>
+                    </a:schemeClr>
+                  </a:solidFill>
+                </a:rPr>
+                <a:t>04</a:t>
+              </a:r>
+            </a:p>
+          </p:txBody>
+        </p:sp>
+      </p:grpSp>
+      <p:sp>
+        <p:nvSpPr>
+          <p:cNvPr id="140" name="Rectangle : Coins arrondis 198" title="Graphisme de jalon">
+            <a:extLst>
+              <a:ext uri="{FF2B5EF4-FFF2-40B4-BE49-F238E27FC236}">
+                <a16:creationId xmlns:a16="http://schemas.microsoft.com/office/drawing/2014/main" id="{7834D2DA-6B90-7245-B2D8-CE1FB9311CB9}"/>
+              </a:ext>
+            </a:extLst>
+          </p:cNvPr>
+          <p:cNvSpPr/>
+          <p:nvPr/>
+        </p:nvSpPr>
+        <p:spPr>
+          <a:xfrm>
+            <a:off x="6469981" y="6368883"/>
+            <a:ext cx="1878343" cy="182425"/>
+          </a:xfrm>
+          <a:prstGeom prst="roundRect">
+            <a:avLst>
+              <a:gd name="adj" fmla="val 50000"/>
+            </a:avLst>
+          </a:prstGeom>
+          <a:solidFill>
+            <a:schemeClr val="accent5">
+              <a:lumMod val="60000"/>
+              <a:lumOff val="40000"/>
+            </a:schemeClr>
+          </a:solidFill>
+          <a:ln>
+            <a:noFill/>
+          </a:ln>
+        </p:spPr>
+        <p:style>
+          <a:lnRef idx="2">
+            <a:schemeClr val="accent1">
+              <a:shade val="50000"/>
+            </a:schemeClr>
+          </a:lnRef>
+          <a:fillRef idx="1">
+            <a:schemeClr val="accent1"/>
+          </a:fillRef>
+          <a:effectRef idx="0">
+            <a:schemeClr val="accent1"/>
+          </a:effectRef>
+          <a:fontRef idx="minor">
+            <a:schemeClr val="lt1"/>
+          </a:fontRef>
+        </p:style>
+        <p:txBody>
+          <a:bodyPr rtlCol="0" anchor="ctr"/>
+          <a:lstStyle/>
+          <a:p>
+            <a:pPr algn="ctr" rtl="0"/>
+            <a:endParaRPr lang="fr-FR" dirty="0"/>
+          </a:p>
+        </p:txBody>
+      </p:sp>
+      <p:sp>
+        <p:nvSpPr>
+          <p:cNvPr id="143" name="Rectangle : Coins arrondis 190" title="Barre des années">
+            <a:extLst>
+              <a:ext uri="{FF2B5EF4-FFF2-40B4-BE49-F238E27FC236}">
+                <a16:creationId xmlns:a16="http://schemas.microsoft.com/office/drawing/2014/main" id="{F8645234-A309-0540-8552-3D57A280DBEF}"/>
+              </a:ext>
+            </a:extLst>
+          </p:cNvPr>
+          <p:cNvSpPr/>
+          <p:nvPr/>
+        </p:nvSpPr>
+        <p:spPr>
+          <a:xfrm>
+            <a:off x="9439104" y="6388714"/>
+            <a:ext cx="1042721" cy="185939"/>
+          </a:xfrm>
+          <a:prstGeom prst="roundRect">
+            <a:avLst>
+              <a:gd name="adj" fmla="val 50000"/>
+            </a:avLst>
+          </a:prstGeom>
+          <a:solidFill>
+            <a:schemeClr val="accent5"/>
+          </a:solidFill>
+          <a:ln>
+            <a:noFill/>
+          </a:ln>
+        </p:spPr>
+        <p:style>
+          <a:lnRef idx="2">
+            <a:schemeClr val="accent1">
+              <a:shade val="50000"/>
+            </a:schemeClr>
+          </a:lnRef>
+          <a:fillRef idx="1">
+            <a:schemeClr val="accent1"/>
+          </a:fillRef>
+          <a:effectRef idx="0">
+            <a:schemeClr val="accent1"/>
+          </a:effectRef>
+          <a:fontRef idx="minor">
+            <a:schemeClr val="lt1"/>
+          </a:fontRef>
+        </p:style>
+        <p:txBody>
+          <a:bodyPr rtlCol="0" anchor="ctr"/>
+          <a:lstStyle/>
+          <a:p>
+            <a:pPr algn="ctr" rtl="0"/>
+            <a:endParaRPr lang="fr-FR" dirty="0"/>
           </a:p>
         </p:txBody>
       </p:sp>
@@ -6648,18 +7072,18 @@
 </file>
 
 <file path=customXml/item1.xml><?xml version="1.0" encoding="utf-8"?>
+<p:properties xmlns:p="http://schemas.microsoft.com/office/2006/metadata/properties" xmlns:xsi="http://www.w3.org/2001/XMLSchema-instance" xmlns:pc="http://schemas.microsoft.com/office/infopath/2007/PartnerControls">
+  <documentManagement/>
+</p:properties>
+</file>
+
+<file path=customXml/item2.xml><?xml version="1.0" encoding="utf-8"?>
 <?mso-contentType ?>
 <FormTemplates xmlns="http://schemas.microsoft.com/sharepoint/v3/contenttype/forms">
   <Display>DocumentLibraryForm</Display>
   <Edit>DocumentLibraryForm</Edit>
   <New>DocumentLibraryForm</New>
 </FormTemplates>
-</file>
-
-<file path=customXml/item2.xml><?xml version="1.0" encoding="utf-8"?>
-<p:properties xmlns:p="http://schemas.microsoft.com/office/2006/metadata/properties" xmlns:xsi="http://www.w3.org/2001/XMLSchema-instance" xmlns:pc="http://schemas.microsoft.com/office/infopath/2007/PartnerControls">
-  <documentManagement/>
-</p:properties>
 </file>
 
 <file path=customXml/item3.xml><?xml version="1.0" encoding="utf-8"?>
@@ -6848,14 +7272,6 @@
 </file>
 
 <file path=customXml/itemProps1.xml><?xml version="1.0" encoding="utf-8"?>
-<ds:datastoreItem xmlns:ds="http://schemas.openxmlformats.org/officeDocument/2006/customXml" ds:itemID="{473A5C20-79C6-4039-B360-62EEBAFC6322}">
-  <ds:schemaRefs>
-    <ds:schemaRef ds:uri="http://schemas.microsoft.com/sharepoint/v3/contenttype/forms"/>
-  </ds:schemaRefs>
-</ds:datastoreItem>
-</file>
-
-<file path=customXml/itemProps2.xml><?xml version="1.0" encoding="utf-8"?>
 <ds:datastoreItem xmlns:ds="http://schemas.openxmlformats.org/officeDocument/2006/customXml" ds:itemID="{048261FD-2762-49FB-A79D-ADBF2F86B945}">
   <ds:schemaRefs>
     <ds:schemaRef ds:uri="http://purl.org/dc/terms/"/>
@@ -6868,6 +7284,14 @@
     <ds:schemaRef ds:uri="http://schemas.microsoft.com/office/2006/metadata/properties"/>
     <ds:schemaRef ds:uri="http://www.w3.org/XML/1998/namespace"/>
     <ds:schemaRef ds:uri="http://purl.org/dc/dcmitype/"/>
+  </ds:schemaRefs>
+</ds:datastoreItem>
+</file>
+
+<file path=customXml/itemProps2.xml><?xml version="1.0" encoding="utf-8"?>
+<ds:datastoreItem xmlns:ds="http://schemas.openxmlformats.org/officeDocument/2006/customXml" ds:itemID="{473A5C20-79C6-4039-B360-62EEBAFC6322}">
+  <ds:schemaRefs>
+    <ds:schemaRef ds:uri="http://schemas.microsoft.com/sharepoint/v3/contenttype/forms"/>
   </ds:schemaRefs>
 </ds:datastoreItem>
 </file>
